--- a/Documents/Meeting Updates/MarchingMasters-0302.pptx
+++ b/Documents/Meeting Updates/MarchingMasters-0302.pptx
@@ -306,7 +306,7 @@
   <pc:docChgLst>
     <pc:chgData name="Brandin Bulicki" userId="c61f620561a25efe" providerId="LiveId" clId="{AACF6252-9CBF-455C-8C6F-FD631DC4A4F3}"/>
     <pc:docChg chg="undo custSel modSld">
-      <pc:chgData name="Brandin Bulicki" userId="c61f620561a25efe" providerId="LiveId" clId="{AACF6252-9CBF-455C-8C6F-FD631DC4A4F3}" dt="2021-02-28T16:46:33.628" v="111" actId="20577"/>
+      <pc:chgData name="Brandin Bulicki" userId="c61f620561a25efe" providerId="LiveId" clId="{AACF6252-9CBF-455C-8C6F-FD631DC4A4F3}" dt="2021-02-28T17:38:26.532" v="133" actId="20577"/>
       <pc:docMkLst>
         <pc:docMk/>
       </pc:docMkLst>
@@ -326,13 +326,13 @@
         </pc:spChg>
       </pc:sldChg>
       <pc:sldChg chg="modSp mod">
-        <pc:chgData name="Brandin Bulicki" userId="c61f620561a25efe" providerId="LiveId" clId="{AACF6252-9CBF-455C-8C6F-FD631DC4A4F3}" dt="2021-02-28T16:36:25.523" v="24" actId="20577"/>
+        <pc:chgData name="Brandin Bulicki" userId="c61f620561a25efe" providerId="LiveId" clId="{AACF6252-9CBF-455C-8C6F-FD631DC4A4F3}" dt="2021-02-28T17:38:26.532" v="133" actId="20577"/>
         <pc:sldMkLst>
           <pc:docMk/>
           <pc:sldMk cId="3286529719" sldId="257"/>
         </pc:sldMkLst>
         <pc:spChg chg="mod">
-          <ac:chgData name="Brandin Bulicki" userId="c61f620561a25efe" providerId="LiveId" clId="{AACF6252-9CBF-455C-8C6F-FD631DC4A4F3}" dt="2021-02-28T16:36:25.523" v="24" actId="20577"/>
+          <ac:chgData name="Brandin Bulicki" userId="c61f620561a25efe" providerId="LiveId" clId="{AACF6252-9CBF-455C-8C6F-FD631DC4A4F3}" dt="2021-02-28T17:38:26.532" v="133" actId="20577"/>
           <ac:spMkLst>
             <pc:docMk/>
             <pc:sldMk cId="3286529719" sldId="257"/>
@@ -4102,8 +4102,8 @@
           </a:p>
           <a:p>
             <a:r>
-              <a:rPr lang="en-US" sz="2400" dirty="0"/>
-              <a:t>Software Implementation</a:t>
+              <a:rPr lang="en-US" sz="2400"/>
+              <a:t>Software Implementation (Joining of Band)</a:t>
             </a:r>
             <a:endParaRPr lang="en-US" sz="2000" dirty="0"/>
           </a:p>
